--- a/training/day5/Day5.pptx
+++ b/training/day5/Day5.pptx
@@ -197,7 +197,7 @@
           <a:p>
             <a:fld id="{F15A6252-5F50-4106-9C23-9E03A675631E}" type="datetimeFigureOut">
               <a:rPr lang="en-IN" smtClean="0"/>
-              <a:t>30-04-2020</a:t>
+              <a:t>04-05-2020</a:t>
             </a:fld>
             <a:endParaRPr lang="en-IN"/>
           </a:p>
@@ -614,7 +614,7 @@
           <a:p>
             <a:fld id="{4086692B-153F-4DFE-BFBD-A2AE2C7443B6}" type="datetimeFigureOut">
               <a:rPr lang="en-IN" smtClean="0"/>
-              <a:t>30-04-2020</a:t>
+              <a:t>04-05-2020</a:t>
             </a:fld>
             <a:endParaRPr lang="en-IN"/>
           </a:p>
@@ -814,7 +814,7 @@
           <a:p>
             <a:fld id="{4086692B-153F-4DFE-BFBD-A2AE2C7443B6}" type="datetimeFigureOut">
               <a:rPr lang="en-IN" smtClean="0"/>
-              <a:t>30-04-2020</a:t>
+              <a:t>04-05-2020</a:t>
             </a:fld>
             <a:endParaRPr lang="en-IN"/>
           </a:p>
@@ -1024,7 +1024,7 @@
           <a:p>
             <a:fld id="{4086692B-153F-4DFE-BFBD-A2AE2C7443B6}" type="datetimeFigureOut">
               <a:rPr lang="en-IN" smtClean="0"/>
-              <a:t>30-04-2020</a:t>
+              <a:t>04-05-2020</a:t>
             </a:fld>
             <a:endParaRPr lang="en-IN"/>
           </a:p>
@@ -1224,7 +1224,7 @@
           <a:p>
             <a:fld id="{4086692B-153F-4DFE-BFBD-A2AE2C7443B6}" type="datetimeFigureOut">
               <a:rPr lang="en-IN" smtClean="0"/>
-              <a:t>30-04-2020</a:t>
+              <a:t>04-05-2020</a:t>
             </a:fld>
             <a:endParaRPr lang="en-IN"/>
           </a:p>
@@ -1500,7 +1500,7 @@
           <a:p>
             <a:fld id="{4086692B-153F-4DFE-BFBD-A2AE2C7443B6}" type="datetimeFigureOut">
               <a:rPr lang="en-IN" smtClean="0"/>
-              <a:t>30-04-2020</a:t>
+              <a:t>04-05-2020</a:t>
             </a:fld>
             <a:endParaRPr lang="en-IN"/>
           </a:p>
@@ -1768,7 +1768,7 @@
           <a:p>
             <a:fld id="{4086692B-153F-4DFE-BFBD-A2AE2C7443B6}" type="datetimeFigureOut">
               <a:rPr lang="en-IN" smtClean="0"/>
-              <a:t>30-04-2020</a:t>
+              <a:t>04-05-2020</a:t>
             </a:fld>
             <a:endParaRPr lang="en-IN"/>
           </a:p>
@@ -2183,7 +2183,7 @@
           <a:p>
             <a:fld id="{4086692B-153F-4DFE-BFBD-A2AE2C7443B6}" type="datetimeFigureOut">
               <a:rPr lang="en-IN" smtClean="0"/>
-              <a:t>30-04-2020</a:t>
+              <a:t>04-05-2020</a:t>
             </a:fld>
             <a:endParaRPr lang="en-IN"/>
           </a:p>
@@ -2325,7 +2325,7 @@
           <a:p>
             <a:fld id="{4086692B-153F-4DFE-BFBD-A2AE2C7443B6}" type="datetimeFigureOut">
               <a:rPr lang="en-IN" smtClean="0"/>
-              <a:t>30-04-2020</a:t>
+              <a:t>04-05-2020</a:t>
             </a:fld>
             <a:endParaRPr lang="en-IN"/>
           </a:p>
@@ -2438,7 +2438,7 @@
           <a:p>
             <a:fld id="{4086692B-153F-4DFE-BFBD-A2AE2C7443B6}" type="datetimeFigureOut">
               <a:rPr lang="en-IN" smtClean="0"/>
-              <a:t>30-04-2020</a:t>
+              <a:t>04-05-2020</a:t>
             </a:fld>
             <a:endParaRPr lang="en-IN"/>
           </a:p>
@@ -2751,7 +2751,7 @@
           <a:p>
             <a:fld id="{4086692B-153F-4DFE-BFBD-A2AE2C7443B6}" type="datetimeFigureOut">
               <a:rPr lang="en-IN" smtClean="0"/>
-              <a:t>30-04-2020</a:t>
+              <a:t>04-05-2020</a:t>
             </a:fld>
             <a:endParaRPr lang="en-IN"/>
           </a:p>
@@ -3040,7 +3040,7 @@
           <a:p>
             <a:fld id="{4086692B-153F-4DFE-BFBD-A2AE2C7443B6}" type="datetimeFigureOut">
               <a:rPr lang="en-IN" smtClean="0"/>
-              <a:t>30-04-2020</a:t>
+              <a:t>04-05-2020</a:t>
             </a:fld>
             <a:endParaRPr lang="en-IN"/>
           </a:p>
@@ -3283,7 +3283,7 @@
           <a:p>
             <a:fld id="{4086692B-153F-4DFE-BFBD-A2AE2C7443B6}" type="datetimeFigureOut">
               <a:rPr lang="en-IN" smtClean="0"/>
-              <a:t>30-04-2020</a:t>
+              <a:t>04-05-2020</a:t>
             </a:fld>
             <a:endParaRPr lang="en-IN"/>
           </a:p>
@@ -3770,7 +3770,7 @@
         <p:spPr>
           <a:xfrm>
             <a:off x="838200" y="1779687"/>
-            <a:ext cx="10515600" cy="3970318"/>
+            <a:ext cx="10515600" cy="2862322"/>
           </a:xfrm>
           <a:prstGeom prst="rect">
             <a:avLst/>
@@ -3789,7 +3789,7 @@
                   <a:schemeClr val="bg1"/>
                 </a:solidFill>
               </a:rPr>
-              <a:t>	Docker</a:t>
+              <a:t>Docker</a:t>
             </a:r>
           </a:p>
           <a:p>
@@ -3799,7 +3799,7 @@
                   <a:schemeClr val="bg1"/>
                 </a:solidFill>
               </a:rPr>
-              <a:t>		What are containers</a:t>
+              <a:t>	Images</a:t>
             </a:r>
           </a:p>
           <a:p>
@@ -3809,7 +3809,7 @@
                   <a:schemeClr val="bg1"/>
                 </a:solidFill>
               </a:rPr>
-              <a:t>		Images</a:t>
+              <a:t>	Containers</a:t>
             </a:r>
           </a:p>
           <a:p>
@@ -3819,7 +3819,7 @@
                   <a:schemeClr val="bg1"/>
                 </a:solidFill>
               </a:rPr>
-              <a:t>		Containers</a:t>
+              <a:t>	Build a Docker image of your own.</a:t>
             </a:r>
           </a:p>
           <a:p>
@@ -3829,7 +3829,7 @@
                   <a:schemeClr val="bg1"/>
                 </a:solidFill>
               </a:rPr>
-              <a:t>		How to build a Docker image of your own.</a:t>
+              <a:t>	Create a docker image of our application.</a:t>
             </a:r>
           </a:p>
           <a:p>
@@ -3839,7 +3839,7 @@
                   <a:schemeClr val="bg1"/>
                 </a:solidFill>
               </a:rPr>
-              <a:t>		Create a docker image of our application.</a:t>
+              <a:t>	Push it to Docker Hub</a:t>
             </a:r>
           </a:p>
           <a:p>
@@ -3849,7 +3849,7 @@
                   <a:schemeClr val="bg1"/>
                 </a:solidFill>
               </a:rPr>
-              <a:t>		Push it to Docker Hub</a:t>
+              <a:t>	Launch it on an AWS EC2 ubuntu docker instance.</a:t>
             </a:r>
           </a:p>
           <a:p>
@@ -3859,8 +3859,23 @@
                   <a:schemeClr val="bg1"/>
                 </a:solidFill>
               </a:rPr>
-              <a:t>		Launch it on an AWS EC2 ubuntu docker instance.</a:t>
-            </a:r>
+              <a:t>	CI with the Company/Employee microservices that we </a:t>
+            </a:r>
+            <a:r>
+              <a:rPr lang="en-US" b="1">
+                <a:solidFill>
+                  <a:schemeClr val="bg1"/>
+                </a:solidFill>
+              </a:rPr>
+              <a:t>built.</a:t>
+            </a:r>
+          </a:p>
+          <a:p>
+            <a:endParaRPr lang="en-US" b="1" dirty="0">
+              <a:solidFill>
+                <a:schemeClr val="bg1"/>
+              </a:solidFill>
+            </a:endParaRPr>
           </a:p>
           <a:p>
             <a:r>
@@ -3869,55 +3884,8 @@
                   <a:schemeClr val="bg1"/>
                 </a:solidFill>
               </a:rPr>
-              <a:t>		CI with the Company/Employee microservices that we built.</a:t>
-            </a:r>
-          </a:p>
-          <a:p>
-            <a:r>
-              <a:rPr lang="en-US" b="1" dirty="0">
-                <a:solidFill>
-                  <a:schemeClr val="bg1"/>
-                </a:solidFill>
-              </a:rPr>
-              <a:t>	</a:t>
-            </a:r>
-          </a:p>
-          <a:p>
-            <a:r>
-              <a:rPr lang="en-US" b="1" dirty="0">
-                <a:solidFill>
-                  <a:schemeClr val="bg1"/>
-                </a:solidFill>
-              </a:rPr>
-              <a:t>	Debugging</a:t>
-            </a:r>
-          </a:p>
-          <a:p>
-            <a:r>
-              <a:rPr lang="en-US" b="1" dirty="0">
-                <a:solidFill>
-                  <a:schemeClr val="bg1"/>
-                </a:solidFill>
-              </a:rPr>
-              <a:t>		Simple debugging using SOP's</a:t>
-            </a:r>
-          </a:p>
-          <a:p>
-            <a:r>
-              <a:rPr lang="en-US" b="1" dirty="0">
-                <a:solidFill>
-                  <a:schemeClr val="bg1"/>
-                </a:solidFill>
-              </a:rPr>
-              <a:t>		Distributed tracing</a:t>
-            </a:r>
-          </a:p>
-          <a:p>
-            <a:endParaRPr lang="en-US" b="1" dirty="0">
-              <a:solidFill>
-                <a:schemeClr val="bg1"/>
-              </a:solidFill>
-            </a:endParaRPr>
+              <a:t>Troubleshooting Spring Boot application</a:t>
+            </a:r>
           </a:p>
         </p:txBody>
       </p:sp>

--- a/training/day5/Day5.pptx
+++ b/training/day5/Day5.pptx
@@ -3770,7 +3770,7 @@
         <p:spPr>
           <a:xfrm>
             <a:off x="838200" y="1779687"/>
-            <a:ext cx="10515600" cy="2862322"/>
+            <a:ext cx="10515600" cy="3416320"/>
           </a:xfrm>
           <a:prstGeom prst="rect">
             <a:avLst/>
@@ -3859,7 +3859,24 @@
                   <a:schemeClr val="bg1"/>
                 </a:solidFill>
               </a:rPr>
-              <a:t>	CI with the Company/Employee microservices that we </a:t>
+              <a:t>	CI with the Company/Employee microservices that we built.</a:t>
+            </a:r>
+          </a:p>
+          <a:p>
+            <a:endParaRPr lang="en-US" b="1" dirty="0">
+              <a:solidFill>
+                <a:schemeClr val="bg1"/>
+              </a:solidFill>
+            </a:endParaRPr>
+          </a:p>
+          <a:p>
+            <a:r>
+              <a:rPr lang="en-US" b="1" dirty="0">
+                <a:solidFill>
+                  <a:schemeClr val="bg1"/>
+                </a:solidFill>
+              </a:rPr>
+              <a:t>Stop and kill the AWS </a:t>
             </a:r>
             <a:r>
               <a:rPr lang="en-US" b="1">
@@ -3867,7 +3884,7 @@
                   <a:schemeClr val="bg1"/>
                 </a:solidFill>
               </a:rPr>
-              <a:t>built.</a:t>
+              <a:t>EC2 instance.</a:t>
             </a:r>
           </a:p>
           <a:p>
